--- a/03_containers/ALCF_Containers-2022.pptx
+++ b/03_containers/ALCF_Containers-2022.pptx
@@ -15785,6 +15785,55 @@
               <a:latin typeface="Liberation Sans"/>
               <a:cs typeface="Liberation Sans"/>
             </a:endParaRPr>
+          </a:p>
+        </p:txBody>
+      </p:sp>
+      <p:sp>
+        <p:nvSpPr>
+          <p:cNvPr id="3" name="TextBox 2">
+            <a:extLst>
+              <a:ext uri="{FF2B5EF4-FFF2-40B4-BE49-F238E27FC236}">
+                <a16:creationId xmlns:a16="http://schemas.microsoft.com/office/drawing/2014/main" id="{C13F1A3F-C8F3-4B53-37B4-058B3C7CEE2A}"/>
+              </a:ext>
+            </a:extLst>
+          </p:cNvPr>
+          <p:cNvSpPr txBox="1"/>
+          <p:nvPr/>
+        </p:nvSpPr>
+        <p:spPr>
+          <a:xfrm>
+            <a:off x="111369" y="4781550"/>
+            <a:ext cx="5679831" cy="307777"/>
+          </a:xfrm>
+          <a:prstGeom prst="rect">
+            <a:avLst/>
+          </a:prstGeom>
+          <a:noFill/>
+        </p:spPr>
+        <p:txBody>
+          <a:bodyPr wrap="square" rtlCol="0">
+            <a:spAutoFit/>
+          </a:bodyPr>
+          <a:lstStyle/>
+          <a:p>
+            <a:r>
+              <a:rPr lang="en-US" sz="1400" dirty="0">
+                <a:latin typeface="Helvetica" pitchFamily="2" charset="0"/>
+              </a:rPr>
+              <a:t>Note: Don’t forget to </a:t>
+            </a:r>
+            <a:r>
+              <a:rPr lang="en-US" sz="1400" dirty="0" err="1">
+                <a:latin typeface="Helvetica" pitchFamily="2" charset="0"/>
+              </a:rPr>
+              <a:t>chmod</a:t>
+            </a:r>
+            <a:r>
+              <a:rPr lang="en-US" sz="1400" dirty="0">
+                <a:latin typeface="Helvetica" pitchFamily="2" charset="0"/>
+              </a:rPr>
+              <a:t> +x all your scripts</a:t>
+            </a:r>
           </a:p>
         </p:txBody>
       </p:sp>
